--- a/how2heap/house_of_lore/house_of_lore.pptx
+++ b/how2heap/house_of_lore/house_of_lore.pptx
@@ -260,7 +260,7 @@
           <a:p>
             <a:fld id="{867CF7D2-9367-45E5-B2E7-A967028F5BE8}" type="datetimeFigureOut">
               <a:rPr lang="zh-CN" altLang="en-US" smtClean="0"/>
-              <a:t>2025/5/19</a:t>
+              <a:t>2025/5/29</a:t>
             </a:fld>
             <a:endParaRPr lang="zh-CN" altLang="en-US"/>
           </a:p>
@@ -430,7 +430,7 @@
           <a:p>
             <a:fld id="{867CF7D2-9367-45E5-B2E7-A967028F5BE8}" type="datetimeFigureOut">
               <a:rPr lang="zh-CN" altLang="en-US" smtClean="0"/>
-              <a:t>2025/5/19</a:t>
+              <a:t>2025/5/29</a:t>
             </a:fld>
             <a:endParaRPr lang="zh-CN" altLang="en-US"/>
           </a:p>
@@ -610,7 +610,7 @@
           <a:p>
             <a:fld id="{867CF7D2-9367-45E5-B2E7-A967028F5BE8}" type="datetimeFigureOut">
               <a:rPr lang="zh-CN" altLang="en-US" smtClean="0"/>
-              <a:t>2025/5/19</a:t>
+              <a:t>2025/5/29</a:t>
             </a:fld>
             <a:endParaRPr lang="zh-CN" altLang="en-US"/>
           </a:p>
@@ -780,7 +780,7 @@
           <a:p>
             <a:fld id="{867CF7D2-9367-45E5-B2E7-A967028F5BE8}" type="datetimeFigureOut">
               <a:rPr lang="zh-CN" altLang="en-US" smtClean="0"/>
-              <a:t>2025/5/19</a:t>
+              <a:t>2025/5/29</a:t>
             </a:fld>
             <a:endParaRPr lang="zh-CN" altLang="en-US"/>
           </a:p>
@@ -1026,7 +1026,7 @@
           <a:p>
             <a:fld id="{867CF7D2-9367-45E5-B2E7-A967028F5BE8}" type="datetimeFigureOut">
               <a:rPr lang="zh-CN" altLang="en-US" smtClean="0"/>
-              <a:t>2025/5/19</a:t>
+              <a:t>2025/5/29</a:t>
             </a:fld>
             <a:endParaRPr lang="zh-CN" altLang="en-US"/>
           </a:p>
@@ -1258,7 +1258,7 @@
           <a:p>
             <a:fld id="{867CF7D2-9367-45E5-B2E7-A967028F5BE8}" type="datetimeFigureOut">
               <a:rPr lang="zh-CN" altLang="en-US" smtClean="0"/>
-              <a:t>2025/5/19</a:t>
+              <a:t>2025/5/29</a:t>
             </a:fld>
             <a:endParaRPr lang="zh-CN" altLang="en-US"/>
           </a:p>
@@ -1625,7 +1625,7 @@
           <a:p>
             <a:fld id="{867CF7D2-9367-45E5-B2E7-A967028F5BE8}" type="datetimeFigureOut">
               <a:rPr lang="zh-CN" altLang="en-US" smtClean="0"/>
-              <a:t>2025/5/19</a:t>
+              <a:t>2025/5/29</a:t>
             </a:fld>
             <a:endParaRPr lang="zh-CN" altLang="en-US"/>
           </a:p>
@@ -1743,7 +1743,7 @@
           <a:p>
             <a:fld id="{867CF7D2-9367-45E5-B2E7-A967028F5BE8}" type="datetimeFigureOut">
               <a:rPr lang="zh-CN" altLang="en-US" smtClean="0"/>
-              <a:t>2025/5/19</a:t>
+              <a:t>2025/5/29</a:t>
             </a:fld>
             <a:endParaRPr lang="zh-CN" altLang="en-US"/>
           </a:p>
@@ -1838,7 +1838,7 @@
           <a:p>
             <a:fld id="{867CF7D2-9367-45E5-B2E7-A967028F5BE8}" type="datetimeFigureOut">
               <a:rPr lang="zh-CN" altLang="en-US" smtClean="0"/>
-              <a:t>2025/5/19</a:t>
+              <a:t>2025/5/29</a:t>
             </a:fld>
             <a:endParaRPr lang="zh-CN" altLang="en-US"/>
           </a:p>
@@ -2115,7 +2115,7 @@
           <a:p>
             <a:fld id="{867CF7D2-9367-45E5-B2E7-A967028F5BE8}" type="datetimeFigureOut">
               <a:rPr lang="zh-CN" altLang="en-US" smtClean="0"/>
-              <a:t>2025/5/19</a:t>
+              <a:t>2025/5/29</a:t>
             </a:fld>
             <a:endParaRPr lang="zh-CN" altLang="en-US"/>
           </a:p>
@@ -2368,7 +2368,7 @@
           <a:p>
             <a:fld id="{867CF7D2-9367-45E5-B2E7-A967028F5BE8}" type="datetimeFigureOut">
               <a:rPr lang="zh-CN" altLang="en-US" smtClean="0"/>
-              <a:t>2025/5/19</a:t>
+              <a:t>2025/5/29</a:t>
             </a:fld>
             <a:endParaRPr lang="zh-CN" altLang="en-US"/>
           </a:p>
@@ -2581,7 +2581,7 @@
           <a:p>
             <a:fld id="{867CF7D2-9367-45E5-B2E7-A967028F5BE8}" type="datetimeFigureOut">
               <a:rPr lang="zh-CN" altLang="en-US" smtClean="0"/>
-              <a:t>2025/5/19</a:t>
+              <a:t>2025/5/29</a:t>
             </a:fld>
             <a:endParaRPr lang="zh-CN" altLang="en-US"/>
           </a:p>
@@ -3189,7 +3189,7 @@
       </p:grpSpPr>
       <p:pic>
         <p:nvPicPr>
-          <p:cNvPr id="2" name="图片 1"/>
+          <p:cNvPr id="5" name="图片 4"/>
           <p:cNvPicPr>
             <a:picLocks noChangeAspect="1"/>
           </p:cNvPicPr>
@@ -3256,7 +3256,7 @@
       </p:grpSpPr>
       <p:pic>
         <p:nvPicPr>
-          <p:cNvPr id="2" name="图片 1"/>
+          <p:cNvPr id="3" name="图片 2"/>
           <p:cNvPicPr>
             <a:picLocks noChangeAspect="1"/>
           </p:cNvPicPr>
@@ -3323,7 +3323,7 @@
       </p:grpSpPr>
       <p:pic>
         <p:nvPicPr>
-          <p:cNvPr id="2" name="图片 1"/>
+          <p:cNvPr id="4" name="图片 3"/>
           <p:cNvPicPr>
             <a:picLocks noChangeAspect="1"/>
           </p:cNvPicPr>
@@ -3390,7 +3390,7 @@
       </p:grpSpPr>
       <p:pic>
         <p:nvPicPr>
-          <p:cNvPr id="2" name="图片 1"/>
+          <p:cNvPr id="5" name="图片 4"/>
           <p:cNvPicPr>
             <a:picLocks noChangeAspect="1"/>
           </p:cNvPicPr>
@@ -3410,7 +3410,7 @@
         </p:blipFill>
         <p:spPr>
           <a:xfrm>
-            <a:off x="0" y="0"/>
+            <a:off x="0" y="-1"/>
             <a:ext cx="12192000" cy="6304333"/>
           </a:xfrm>
           <a:prstGeom prst="rect">
@@ -3457,7 +3457,7 @@
       </p:grpSpPr>
       <p:pic>
         <p:nvPicPr>
-          <p:cNvPr id="2" name="图片 1"/>
+          <p:cNvPr id="3" name="图片 2"/>
           <p:cNvPicPr>
             <a:picLocks noChangeAspect="1"/>
           </p:cNvPicPr>
@@ -3524,7 +3524,7 @@
       </p:grpSpPr>
       <p:pic>
         <p:nvPicPr>
-          <p:cNvPr id="2" name="图片 1"/>
+          <p:cNvPr id="3" name="图片 2"/>
           <p:cNvPicPr>
             <a:picLocks noChangeAspect="1"/>
           </p:cNvPicPr>
@@ -3591,7 +3591,7 @@
       </p:grpSpPr>
       <p:pic>
         <p:nvPicPr>
-          <p:cNvPr id="2" name="图片 1"/>
+          <p:cNvPr id="3" name="图片 2"/>
           <p:cNvPicPr>
             <a:picLocks noChangeAspect="1"/>
           </p:cNvPicPr>
@@ -3611,7 +3611,7 @@
         </p:blipFill>
         <p:spPr>
           <a:xfrm>
-            <a:off x="0" y="0"/>
+            <a:off x="0" y="-1"/>
             <a:ext cx="12192000" cy="6304333"/>
           </a:xfrm>
           <a:prstGeom prst="rect">

--- a/how2heap/house_of_lore/house_of_lore.pptx
+++ b/how2heap/house_of_lore/house_of_lore.pptx
@@ -21,8 +21,15 @@
     <p:sldId id="292" r:id="rId15"/>
     <p:sldId id="293" r:id="rId16"/>
     <p:sldId id="294" r:id="rId17"/>
-    <p:sldId id="295" r:id="rId18"/>
-    <p:sldId id="296" r:id="rId19"/>
+    <p:sldId id="297" r:id="rId18"/>
+    <p:sldId id="298" r:id="rId19"/>
+    <p:sldId id="299" r:id="rId20"/>
+    <p:sldId id="300" r:id="rId21"/>
+    <p:sldId id="301" r:id="rId22"/>
+    <p:sldId id="302" r:id="rId23"/>
+    <p:sldId id="303" r:id="rId24"/>
+    <p:sldId id="304" r:id="rId25"/>
+    <p:sldId id="295" r:id="rId26"/>
   </p:sldIdLst>
   <p:sldSz cx="12192000" cy="6858000"/>
   <p:notesSz cx="6858000" cy="9144000"/>
@@ -3552,10 +3559,70 @@
           </a:prstGeom>
         </p:spPr>
       </p:pic>
+      <p:pic>
+        <p:nvPicPr>
+          <p:cNvPr id="2" name="图片 1"/>
+          <p:cNvPicPr>
+            <a:picLocks noChangeAspect="1"/>
+          </p:cNvPicPr>
+          <p:nvPr/>
+        </p:nvPicPr>
+        <p:blipFill>
+          <a:blip r:embed="rId3">
+            <a:extLst>
+              <a:ext uri="{28A0092B-C50C-407E-A947-70E740481C1C}">
+                <a14:useLocalDpi xmlns:a14="http://schemas.microsoft.com/office/drawing/2010/main" val="0"/>
+              </a:ext>
+            </a:extLst>
+          </a:blip>
+          <a:stretch>
+            <a:fillRect/>
+          </a:stretch>
+        </p:blipFill>
+        <p:spPr>
+          <a:xfrm>
+            <a:off x="0" y="0"/>
+            <a:ext cx="12192000" cy="6304333"/>
+          </a:xfrm>
+          <a:prstGeom prst="rect">
+            <a:avLst/>
+          </a:prstGeom>
+        </p:spPr>
+      </p:pic>
+      <p:pic>
+        <p:nvPicPr>
+          <p:cNvPr id="4" name="图片 3"/>
+          <p:cNvPicPr>
+            <a:picLocks noChangeAspect="1"/>
+          </p:cNvPicPr>
+          <p:nvPr/>
+        </p:nvPicPr>
+        <p:blipFill>
+          <a:blip r:embed="rId4">
+            <a:extLst>
+              <a:ext uri="{28A0092B-C50C-407E-A947-70E740481C1C}">
+                <a14:useLocalDpi xmlns:a14="http://schemas.microsoft.com/office/drawing/2010/main" val="0"/>
+              </a:ext>
+            </a:extLst>
+          </a:blip>
+          <a:stretch>
+            <a:fillRect/>
+          </a:stretch>
+        </p:blipFill>
+        <p:spPr>
+          <a:xfrm>
+            <a:off x="0" y="0"/>
+            <a:ext cx="12192000" cy="6304333"/>
+          </a:xfrm>
+          <a:prstGeom prst="rect">
+            <a:avLst/>
+          </a:prstGeom>
+        </p:spPr>
+      </p:pic>
     </p:spTree>
     <p:extLst>
       <p:ext uri="{BB962C8B-B14F-4D97-AF65-F5344CB8AC3E}">
-        <p14:creationId xmlns:p14="http://schemas.microsoft.com/office/powerpoint/2010/main" val="264893865"/>
+        <p14:creationId xmlns:p14="http://schemas.microsoft.com/office/powerpoint/2010/main" val="3907004618"/>
       </p:ext>
     </p:extLst>
   </p:cSld>
@@ -3591,7 +3658,7 @@
       </p:grpSpPr>
       <p:pic>
         <p:nvPicPr>
-          <p:cNvPr id="3" name="图片 2"/>
+          <p:cNvPr id="2" name="图片 1"/>
           <p:cNvPicPr>
             <a:picLocks noChangeAspect="1"/>
           </p:cNvPicPr>
@@ -3622,7 +3689,74 @@
     </p:spTree>
     <p:extLst>
       <p:ext uri="{BB962C8B-B14F-4D97-AF65-F5344CB8AC3E}">
-        <p14:creationId xmlns:p14="http://schemas.microsoft.com/office/powerpoint/2010/main" val="1910554909"/>
+        <p14:creationId xmlns:p14="http://schemas.microsoft.com/office/powerpoint/2010/main" val="1114371257"/>
+      </p:ext>
+    </p:extLst>
+  </p:cSld>
+  <p:clrMapOvr>
+    <a:masterClrMapping/>
+  </p:clrMapOvr>
+  <p:timing>
+    <p:tnLst>
+      <p:par>
+        <p:cTn id="1" dur="indefinite" restart="never" nodeType="tmRoot"/>
+      </p:par>
+    </p:tnLst>
+  </p:timing>
+</p:sld>
+</file>
+
+<file path=ppt/slides/slide19.xml><?xml version="1.0" encoding="utf-8"?>
+<p:sld xmlns:a="http://schemas.openxmlformats.org/drawingml/2006/main" xmlns:r="http://schemas.openxmlformats.org/officeDocument/2006/relationships" xmlns:p="http://schemas.openxmlformats.org/presentationml/2006/main">
+  <p:cSld>
+    <p:spTree>
+      <p:nvGrpSpPr>
+        <p:cNvPr id="1" name=""/>
+        <p:cNvGrpSpPr/>
+        <p:nvPr/>
+      </p:nvGrpSpPr>
+      <p:grpSpPr>
+        <a:xfrm>
+          <a:off x="0" y="0"/>
+          <a:ext cx="0" cy="0"/>
+          <a:chOff x="0" y="0"/>
+          <a:chExt cx="0" cy="0"/>
+        </a:xfrm>
+      </p:grpSpPr>
+      <p:pic>
+        <p:nvPicPr>
+          <p:cNvPr id="2" name="图片 1"/>
+          <p:cNvPicPr>
+            <a:picLocks noChangeAspect="1"/>
+          </p:cNvPicPr>
+          <p:nvPr/>
+        </p:nvPicPr>
+        <p:blipFill>
+          <a:blip r:embed="rId2">
+            <a:extLst>
+              <a:ext uri="{28A0092B-C50C-407E-A947-70E740481C1C}">
+                <a14:useLocalDpi xmlns:a14="http://schemas.microsoft.com/office/drawing/2010/main" val="0"/>
+              </a:ext>
+            </a:extLst>
+          </a:blip>
+          <a:stretch>
+            <a:fillRect/>
+          </a:stretch>
+        </p:blipFill>
+        <p:spPr>
+          <a:xfrm>
+            <a:off x="0" y="-1"/>
+            <a:ext cx="12192000" cy="6304333"/>
+          </a:xfrm>
+          <a:prstGeom prst="rect">
+            <a:avLst/>
+          </a:prstGeom>
+        </p:spPr>
+      </p:pic>
+    </p:spTree>
+    <p:extLst>
+      <p:ext uri="{BB962C8B-B14F-4D97-AF65-F5344CB8AC3E}">
+        <p14:creationId xmlns:p14="http://schemas.microsoft.com/office/powerpoint/2010/main" val="748438175"/>
       </p:ext>
     </p:extLst>
   </p:cSld>
@@ -3690,6 +3824,408 @@
     <p:extLst>
       <p:ext uri="{BB962C8B-B14F-4D97-AF65-F5344CB8AC3E}">
         <p14:creationId xmlns:p14="http://schemas.microsoft.com/office/powerpoint/2010/main" val="308639361"/>
+      </p:ext>
+    </p:extLst>
+  </p:cSld>
+  <p:clrMapOvr>
+    <a:masterClrMapping/>
+  </p:clrMapOvr>
+  <p:timing>
+    <p:tnLst>
+      <p:par>
+        <p:cTn id="1" dur="indefinite" restart="never" nodeType="tmRoot"/>
+      </p:par>
+    </p:tnLst>
+  </p:timing>
+</p:sld>
+</file>
+
+<file path=ppt/slides/slide20.xml><?xml version="1.0" encoding="utf-8"?>
+<p:sld xmlns:a="http://schemas.openxmlformats.org/drawingml/2006/main" xmlns:r="http://schemas.openxmlformats.org/officeDocument/2006/relationships" xmlns:p="http://schemas.openxmlformats.org/presentationml/2006/main">
+  <p:cSld>
+    <p:spTree>
+      <p:nvGrpSpPr>
+        <p:cNvPr id="1" name=""/>
+        <p:cNvGrpSpPr/>
+        <p:nvPr/>
+      </p:nvGrpSpPr>
+      <p:grpSpPr>
+        <a:xfrm>
+          <a:off x="0" y="0"/>
+          <a:ext cx="0" cy="0"/>
+          <a:chOff x="0" y="0"/>
+          <a:chExt cx="0" cy="0"/>
+        </a:xfrm>
+      </p:grpSpPr>
+      <p:pic>
+        <p:nvPicPr>
+          <p:cNvPr id="2" name="图片 1"/>
+          <p:cNvPicPr>
+            <a:picLocks noChangeAspect="1"/>
+          </p:cNvPicPr>
+          <p:nvPr/>
+        </p:nvPicPr>
+        <p:blipFill>
+          <a:blip r:embed="rId2">
+            <a:extLst>
+              <a:ext uri="{28A0092B-C50C-407E-A947-70E740481C1C}">
+                <a14:useLocalDpi xmlns:a14="http://schemas.microsoft.com/office/drawing/2010/main" val="0"/>
+              </a:ext>
+            </a:extLst>
+          </a:blip>
+          <a:stretch>
+            <a:fillRect/>
+          </a:stretch>
+        </p:blipFill>
+        <p:spPr>
+          <a:xfrm>
+            <a:off x="0" y="-1"/>
+            <a:ext cx="12192000" cy="6304333"/>
+          </a:xfrm>
+          <a:prstGeom prst="rect">
+            <a:avLst/>
+          </a:prstGeom>
+        </p:spPr>
+      </p:pic>
+    </p:spTree>
+    <p:extLst>
+      <p:ext uri="{BB962C8B-B14F-4D97-AF65-F5344CB8AC3E}">
+        <p14:creationId xmlns:p14="http://schemas.microsoft.com/office/powerpoint/2010/main" val="1039927916"/>
+      </p:ext>
+    </p:extLst>
+  </p:cSld>
+  <p:clrMapOvr>
+    <a:masterClrMapping/>
+  </p:clrMapOvr>
+  <p:timing>
+    <p:tnLst>
+      <p:par>
+        <p:cTn id="1" dur="indefinite" restart="never" nodeType="tmRoot"/>
+      </p:par>
+    </p:tnLst>
+  </p:timing>
+</p:sld>
+</file>
+
+<file path=ppt/slides/slide21.xml><?xml version="1.0" encoding="utf-8"?>
+<p:sld xmlns:a="http://schemas.openxmlformats.org/drawingml/2006/main" xmlns:r="http://schemas.openxmlformats.org/officeDocument/2006/relationships" xmlns:p="http://schemas.openxmlformats.org/presentationml/2006/main">
+  <p:cSld>
+    <p:spTree>
+      <p:nvGrpSpPr>
+        <p:cNvPr id="1" name=""/>
+        <p:cNvGrpSpPr/>
+        <p:nvPr/>
+      </p:nvGrpSpPr>
+      <p:grpSpPr>
+        <a:xfrm>
+          <a:off x="0" y="0"/>
+          <a:ext cx="0" cy="0"/>
+          <a:chOff x="0" y="0"/>
+          <a:chExt cx="0" cy="0"/>
+        </a:xfrm>
+      </p:grpSpPr>
+      <p:pic>
+        <p:nvPicPr>
+          <p:cNvPr id="2" name="图片 1"/>
+          <p:cNvPicPr>
+            <a:picLocks noChangeAspect="1"/>
+          </p:cNvPicPr>
+          <p:nvPr/>
+        </p:nvPicPr>
+        <p:blipFill>
+          <a:blip r:embed="rId2">
+            <a:extLst>
+              <a:ext uri="{28A0092B-C50C-407E-A947-70E740481C1C}">
+                <a14:useLocalDpi xmlns:a14="http://schemas.microsoft.com/office/drawing/2010/main" val="0"/>
+              </a:ext>
+            </a:extLst>
+          </a:blip>
+          <a:stretch>
+            <a:fillRect/>
+          </a:stretch>
+        </p:blipFill>
+        <p:spPr>
+          <a:xfrm>
+            <a:off x="0" y="-1"/>
+            <a:ext cx="12192000" cy="6304333"/>
+          </a:xfrm>
+          <a:prstGeom prst="rect">
+            <a:avLst/>
+          </a:prstGeom>
+        </p:spPr>
+      </p:pic>
+    </p:spTree>
+    <p:extLst>
+      <p:ext uri="{BB962C8B-B14F-4D97-AF65-F5344CB8AC3E}">
+        <p14:creationId xmlns:p14="http://schemas.microsoft.com/office/powerpoint/2010/main" val="3179939246"/>
+      </p:ext>
+    </p:extLst>
+  </p:cSld>
+  <p:clrMapOvr>
+    <a:masterClrMapping/>
+  </p:clrMapOvr>
+  <p:timing>
+    <p:tnLst>
+      <p:par>
+        <p:cTn id="1" dur="indefinite" restart="never" nodeType="tmRoot"/>
+      </p:par>
+    </p:tnLst>
+  </p:timing>
+</p:sld>
+</file>
+
+<file path=ppt/slides/slide22.xml><?xml version="1.0" encoding="utf-8"?>
+<p:sld xmlns:a="http://schemas.openxmlformats.org/drawingml/2006/main" xmlns:r="http://schemas.openxmlformats.org/officeDocument/2006/relationships" xmlns:p="http://schemas.openxmlformats.org/presentationml/2006/main">
+  <p:cSld>
+    <p:spTree>
+      <p:nvGrpSpPr>
+        <p:cNvPr id="1" name=""/>
+        <p:cNvGrpSpPr/>
+        <p:nvPr/>
+      </p:nvGrpSpPr>
+      <p:grpSpPr>
+        <a:xfrm>
+          <a:off x="0" y="0"/>
+          <a:ext cx="0" cy="0"/>
+          <a:chOff x="0" y="0"/>
+          <a:chExt cx="0" cy="0"/>
+        </a:xfrm>
+      </p:grpSpPr>
+      <p:pic>
+        <p:nvPicPr>
+          <p:cNvPr id="2" name="图片 1"/>
+          <p:cNvPicPr>
+            <a:picLocks noChangeAspect="1"/>
+          </p:cNvPicPr>
+          <p:nvPr/>
+        </p:nvPicPr>
+        <p:blipFill>
+          <a:blip r:embed="rId2">
+            <a:extLst>
+              <a:ext uri="{28A0092B-C50C-407E-A947-70E740481C1C}">
+                <a14:useLocalDpi xmlns:a14="http://schemas.microsoft.com/office/drawing/2010/main" val="0"/>
+              </a:ext>
+            </a:extLst>
+          </a:blip>
+          <a:stretch>
+            <a:fillRect/>
+          </a:stretch>
+        </p:blipFill>
+        <p:spPr>
+          <a:xfrm>
+            <a:off x="0" y="0"/>
+            <a:ext cx="12192000" cy="6304333"/>
+          </a:xfrm>
+          <a:prstGeom prst="rect">
+            <a:avLst/>
+          </a:prstGeom>
+        </p:spPr>
+      </p:pic>
+    </p:spTree>
+    <p:extLst>
+      <p:ext uri="{BB962C8B-B14F-4D97-AF65-F5344CB8AC3E}">
+        <p14:creationId xmlns:p14="http://schemas.microsoft.com/office/powerpoint/2010/main" val="942480221"/>
+      </p:ext>
+    </p:extLst>
+  </p:cSld>
+  <p:clrMapOvr>
+    <a:masterClrMapping/>
+  </p:clrMapOvr>
+  <p:timing>
+    <p:tnLst>
+      <p:par>
+        <p:cTn id="1" dur="indefinite" restart="never" nodeType="tmRoot"/>
+      </p:par>
+    </p:tnLst>
+  </p:timing>
+</p:sld>
+</file>
+
+<file path=ppt/slides/slide23.xml><?xml version="1.0" encoding="utf-8"?>
+<p:sld xmlns:a="http://schemas.openxmlformats.org/drawingml/2006/main" xmlns:r="http://schemas.openxmlformats.org/officeDocument/2006/relationships" xmlns:p="http://schemas.openxmlformats.org/presentationml/2006/main">
+  <p:cSld>
+    <p:spTree>
+      <p:nvGrpSpPr>
+        <p:cNvPr id="1" name=""/>
+        <p:cNvGrpSpPr/>
+        <p:nvPr/>
+      </p:nvGrpSpPr>
+      <p:grpSpPr>
+        <a:xfrm>
+          <a:off x="0" y="0"/>
+          <a:ext cx="0" cy="0"/>
+          <a:chOff x="0" y="0"/>
+          <a:chExt cx="0" cy="0"/>
+        </a:xfrm>
+      </p:grpSpPr>
+      <p:pic>
+        <p:nvPicPr>
+          <p:cNvPr id="2" name="图片 1"/>
+          <p:cNvPicPr>
+            <a:picLocks noChangeAspect="1"/>
+          </p:cNvPicPr>
+          <p:nvPr/>
+        </p:nvPicPr>
+        <p:blipFill>
+          <a:blip r:embed="rId2">
+            <a:extLst>
+              <a:ext uri="{28A0092B-C50C-407E-A947-70E740481C1C}">
+                <a14:useLocalDpi xmlns:a14="http://schemas.microsoft.com/office/drawing/2010/main" val="0"/>
+              </a:ext>
+            </a:extLst>
+          </a:blip>
+          <a:stretch>
+            <a:fillRect/>
+          </a:stretch>
+        </p:blipFill>
+        <p:spPr>
+          <a:xfrm>
+            <a:off x="0" y="0"/>
+            <a:ext cx="12192000" cy="6304333"/>
+          </a:xfrm>
+          <a:prstGeom prst="rect">
+            <a:avLst/>
+          </a:prstGeom>
+        </p:spPr>
+      </p:pic>
+    </p:spTree>
+    <p:extLst>
+      <p:ext uri="{BB962C8B-B14F-4D97-AF65-F5344CB8AC3E}">
+        <p14:creationId xmlns:p14="http://schemas.microsoft.com/office/powerpoint/2010/main" val="3923187528"/>
+      </p:ext>
+    </p:extLst>
+  </p:cSld>
+  <p:clrMapOvr>
+    <a:masterClrMapping/>
+  </p:clrMapOvr>
+  <p:timing>
+    <p:tnLst>
+      <p:par>
+        <p:cTn id="1" dur="indefinite" restart="never" nodeType="tmRoot"/>
+      </p:par>
+    </p:tnLst>
+  </p:timing>
+</p:sld>
+</file>
+
+<file path=ppt/slides/slide24.xml><?xml version="1.0" encoding="utf-8"?>
+<p:sld xmlns:a="http://schemas.openxmlformats.org/drawingml/2006/main" xmlns:r="http://schemas.openxmlformats.org/officeDocument/2006/relationships" xmlns:p="http://schemas.openxmlformats.org/presentationml/2006/main">
+  <p:cSld>
+    <p:spTree>
+      <p:nvGrpSpPr>
+        <p:cNvPr id="1" name=""/>
+        <p:cNvGrpSpPr/>
+        <p:nvPr/>
+      </p:nvGrpSpPr>
+      <p:grpSpPr>
+        <a:xfrm>
+          <a:off x="0" y="0"/>
+          <a:ext cx="0" cy="0"/>
+          <a:chOff x="0" y="0"/>
+          <a:chExt cx="0" cy="0"/>
+        </a:xfrm>
+      </p:grpSpPr>
+      <p:pic>
+        <p:nvPicPr>
+          <p:cNvPr id="2" name="图片 1"/>
+          <p:cNvPicPr>
+            <a:picLocks noChangeAspect="1"/>
+          </p:cNvPicPr>
+          <p:nvPr/>
+        </p:nvPicPr>
+        <p:blipFill>
+          <a:blip r:embed="rId2">
+            <a:extLst>
+              <a:ext uri="{28A0092B-C50C-407E-A947-70E740481C1C}">
+                <a14:useLocalDpi xmlns:a14="http://schemas.microsoft.com/office/drawing/2010/main" val="0"/>
+              </a:ext>
+            </a:extLst>
+          </a:blip>
+          <a:stretch>
+            <a:fillRect/>
+          </a:stretch>
+        </p:blipFill>
+        <p:spPr>
+          <a:xfrm>
+            <a:off x="0" y="-1"/>
+            <a:ext cx="12192000" cy="6304333"/>
+          </a:xfrm>
+          <a:prstGeom prst="rect">
+            <a:avLst/>
+          </a:prstGeom>
+        </p:spPr>
+      </p:pic>
+    </p:spTree>
+    <p:extLst>
+      <p:ext uri="{BB962C8B-B14F-4D97-AF65-F5344CB8AC3E}">
+        <p14:creationId xmlns:p14="http://schemas.microsoft.com/office/powerpoint/2010/main" val="2801523487"/>
+      </p:ext>
+    </p:extLst>
+  </p:cSld>
+  <p:clrMapOvr>
+    <a:masterClrMapping/>
+  </p:clrMapOvr>
+  <p:timing>
+    <p:tnLst>
+      <p:par>
+        <p:cTn id="1" dur="indefinite" restart="never" nodeType="tmRoot"/>
+      </p:par>
+    </p:tnLst>
+  </p:timing>
+</p:sld>
+</file>
+
+<file path=ppt/slides/slide25.xml><?xml version="1.0" encoding="utf-8"?>
+<p:sld xmlns:a="http://schemas.openxmlformats.org/drawingml/2006/main" xmlns:r="http://schemas.openxmlformats.org/officeDocument/2006/relationships" xmlns:p="http://schemas.openxmlformats.org/presentationml/2006/main">
+  <p:cSld>
+    <p:spTree>
+      <p:nvGrpSpPr>
+        <p:cNvPr id="1" name=""/>
+        <p:cNvGrpSpPr/>
+        <p:nvPr/>
+      </p:nvGrpSpPr>
+      <p:grpSpPr>
+        <a:xfrm>
+          <a:off x="0" y="0"/>
+          <a:ext cx="0" cy="0"/>
+          <a:chOff x="0" y="0"/>
+          <a:chExt cx="0" cy="0"/>
+        </a:xfrm>
+      </p:grpSpPr>
+      <p:pic>
+        <p:nvPicPr>
+          <p:cNvPr id="5" name="图片 4"/>
+          <p:cNvPicPr>
+            <a:picLocks noChangeAspect="1"/>
+          </p:cNvPicPr>
+          <p:nvPr/>
+        </p:nvPicPr>
+        <p:blipFill>
+          <a:blip r:embed="rId2">
+            <a:extLst>
+              <a:ext uri="{28A0092B-C50C-407E-A947-70E740481C1C}">
+                <a14:useLocalDpi xmlns:a14="http://schemas.microsoft.com/office/drawing/2010/main" val="0"/>
+              </a:ext>
+            </a:extLst>
+          </a:blip>
+          <a:stretch>
+            <a:fillRect/>
+          </a:stretch>
+        </p:blipFill>
+        <p:spPr>
+          <a:xfrm>
+            <a:off x="0" y="0"/>
+            <a:ext cx="12192000" cy="6304333"/>
+          </a:xfrm>
+          <a:prstGeom prst="rect">
+            <a:avLst/>
+          </a:prstGeom>
+        </p:spPr>
+      </p:pic>
+    </p:spTree>
+    <p:extLst>
+      <p:ext uri="{BB962C8B-B14F-4D97-AF65-F5344CB8AC3E}">
+        <p14:creationId xmlns:p14="http://schemas.microsoft.com/office/powerpoint/2010/main" val="264893865"/>
       </p:ext>
     </p:extLst>
   </p:cSld>
